--- a/Documentation Set/8. UseCaseDiagrams-(UML).pptx
+++ b/Documentation Set/8. UseCaseDiagrams-(UML).pptx
@@ -5630,72 +5630,6 @@
       </p:sp>
       <p:sp>
         <p:nvSpPr>
-          <p:cNvPr id="58" name="Google Shape;58;p13"/>
-          <p:cNvSpPr/>
-          <p:nvPr/>
-        </p:nvSpPr>
-        <p:spPr>
-          <a:xfrm>
-            <a:off x="3555075" y="2269275"/>
-            <a:ext cx="2178300" cy="635400"/>
-          </a:xfrm>
-          <a:prstGeom prst="ellipse">
-            <a:avLst/>
-          </a:prstGeom>
-          <a:solidFill>
-            <a:schemeClr val="accent6"/>
-          </a:solidFill>
-          <a:ln w="9525" cap="flat" cmpd="sng">
-            <a:solidFill>
-              <a:schemeClr val="dk2"/>
-            </a:solidFill>
-            <a:prstDash val="solid"/>
-            <a:round/>
-            <a:headEnd type="none" w="sm" len="sm"/>
-            <a:tailEnd type="none" w="sm" len="sm"/>
-          </a:ln>
-        </p:spPr>
-        <p:txBody>
-          <a:bodyPr spcFirstLastPara="1" wrap="square" lIns="91425" tIns="91425" rIns="91425" bIns="91425" anchor="ctr" anchorCtr="0">
-            <a:noAutofit/>
-          </a:bodyPr>
-          <a:lstStyle/>
-          <a:p>
-            <a:pPr marL="0" marR="0" lvl="0" indent="0" algn="l" rtl="0">
-              <a:lnSpc>
-                <a:spcPct val="100000"/>
-              </a:lnSpc>
-              <a:spcBef>
-                <a:spcPts val="0"/>
-              </a:spcBef>
-              <a:spcAft>
-                <a:spcPts val="0"/>
-              </a:spcAft>
-              <a:buClr>
-                <a:srgbClr val="000000"/>
-              </a:buClr>
-              <a:buSzPts val="1100"/>
-              <a:buFont typeface="Arial"/>
-              <a:buNone/>
-            </a:pPr>
-            <a:r>
-              <a:rPr lang="en" sz="900" dirty="0">
-                <a:solidFill>
-                  <a:schemeClr val="dk1"/>
-                </a:solidFill>
-              </a:rPr>
-              <a:t>1.4 Maintain Account Summary</a:t>
-            </a:r>
-            <a:endParaRPr sz="900" dirty="0">
-              <a:solidFill>
-                <a:schemeClr val="dk1"/>
-              </a:solidFill>
-            </a:endParaRPr>
-          </a:p>
-        </p:txBody>
-      </p:sp>
-      <p:sp>
-        <p:nvSpPr>
           <p:cNvPr id="59" name="Google Shape;59;p13"/>
           <p:cNvSpPr/>
           <p:nvPr/>
@@ -6089,8 +6023,8 @@
         <p:nvCxnSpPr>
           <p:cNvPr id="73" name="Google Shape;73;p13"/>
           <p:cNvCxnSpPr>
+            <a:cxnSpLocks/>
             <a:stCxn id="70" idx="3"/>
-            <a:endCxn id="58" idx="2"/>
           </p:cNvCxnSpPr>
           <p:nvPr/>
         </p:nvCxnSpPr>
@@ -6235,8 +6169,8 @@
         <p:nvCxnSpPr>
           <p:cNvPr id="79" name="Google Shape;79;p13"/>
           <p:cNvCxnSpPr>
+            <a:cxnSpLocks/>
             <a:stCxn id="77" idx="1"/>
-            <a:endCxn id="58" idx="6"/>
           </p:cNvCxnSpPr>
           <p:nvPr/>
         </p:nvCxnSpPr>
@@ -6949,7 +6883,6 @@
           </p:cNvPr>
           <p:cNvCxnSpPr>
             <a:cxnSpLocks/>
-            <a:endCxn id="58" idx="6"/>
           </p:cNvCxnSpPr>
           <p:nvPr/>
         </p:nvCxnSpPr>
@@ -7075,6 +7008,66 @@
           </a:ln>
         </p:spPr>
       </p:cxnSp>
+      <p:sp>
+        <p:nvSpPr>
+          <p:cNvPr id="6" name="Google Shape;60;p13">
+            <a:extLst>
+              <a:ext uri="{FF2B5EF4-FFF2-40B4-BE49-F238E27FC236}">
+                <a16:creationId xmlns:a16="http://schemas.microsoft.com/office/drawing/2014/main" id="{CD778279-4E3E-2E04-8D93-BC8E61F4FCC8}"/>
+              </a:ext>
+            </a:extLst>
+          </p:cNvPr>
+          <p:cNvSpPr/>
+          <p:nvPr/>
+        </p:nvSpPr>
+        <p:spPr>
+          <a:xfrm>
+            <a:off x="3555025" y="2267765"/>
+            <a:ext cx="2178300" cy="635400"/>
+          </a:xfrm>
+          <a:prstGeom prst="ellipse">
+            <a:avLst/>
+          </a:prstGeom>
+          <a:solidFill>
+            <a:schemeClr val="bg1"/>
+          </a:solidFill>
+          <a:ln w="9525" cap="flat" cmpd="sng">
+            <a:solidFill>
+              <a:schemeClr val="dk2"/>
+            </a:solidFill>
+            <a:prstDash val="solid"/>
+            <a:round/>
+            <a:headEnd type="none" w="sm" len="sm"/>
+            <a:tailEnd type="none" w="sm" len="sm"/>
+          </a:ln>
+        </p:spPr>
+        <p:txBody>
+          <a:bodyPr spcFirstLastPara="1" wrap="square" lIns="91425" tIns="91425" rIns="91425" bIns="91425" anchor="ctr" anchorCtr="0">
+            <a:noAutofit/>
+          </a:bodyPr>
+          <a:lstStyle/>
+          <a:p>
+            <a:pPr marL="0" lvl="0" indent="0" algn="l" rtl="0">
+              <a:spcBef>
+                <a:spcPts val="0"/>
+              </a:spcBef>
+              <a:spcAft>
+                <a:spcPts val="0"/>
+              </a:spcAft>
+              <a:buNone/>
+            </a:pPr>
+            <a:r>
+              <a:rPr lang="en" sz="900" dirty="0">
+                <a:solidFill>
+                  <a:schemeClr val="dk1"/>
+                </a:solidFill>
+              </a:rPr>
+              <a:t>1.4 Maintain Account Summary</a:t>
+            </a:r>
+            <a:endParaRPr sz="900" dirty="0"/>
+          </a:p>
+        </p:txBody>
+      </p:sp>
     </p:spTree>
   </p:cSld>
   <p:clrMapOvr>
